--- a/Xamarin/StirTrek2014/Xamarin.pptx
+++ b/Xamarin/StirTrek2014/Xamarin.pptx
@@ -210,7 +210,7 @@
           <a:p>
             <a:fld id="{017FBB36-3A63-4E6F-B48C-96ABAEE11936}" type="datetimeFigureOut">
               <a:rPr lang="en-US" smtClean="0"/>
-              <a:t>4/3/2014</a:t>
+              <a:t>4/4/2014</a:t>
             </a:fld>
             <a:endParaRPr lang="en-US"/>
           </a:p>
@@ -525,13 +525,8 @@
             <a:pPr lvl="0"/>
             <a:r>
               <a:rPr lang="en-US" dirty="0" smtClean="0"/>
-              <a:t>which </a:t>
-            </a:r>
-            <a:r>
-              <a:rPr lang="en-US" dirty="0" smtClean="0"/>
-              <a:t>is bundled with your app </a:t>
-            </a:r>
-            <a:endParaRPr lang="en-US" dirty="0" smtClean="0"/>
+              <a:t>which is bundled with your app </a:t>
+            </a:r>
           </a:p>
           <a:p>
             <a:pPr lvl="0"/>
@@ -550,11 +545,7 @@
             </a:pPr>
             <a:r>
               <a:rPr lang="en-US" dirty="0" smtClean="0"/>
-              <a:t>not </a:t>
-            </a:r>
-            <a:r>
-              <a:rPr lang="en-US" dirty="0" smtClean="0"/>
-              <a:t>cross-compiled, and not interpreted. </a:t>
+              <a:t>not cross-compiled, and not interpreted. </a:t>
             </a:r>
           </a:p>
           <a:p>
@@ -571,7 +562,6 @@
               <a:rPr lang="en-US" dirty="0" smtClean="0"/>
               <a:t>Visual Studio Integration </a:t>
             </a:r>
-            <a:endParaRPr lang="en-US" dirty="0" smtClean="0"/>
           </a:p>
           <a:p>
             <a:pPr defTabSz="931774">
@@ -836,15 +826,7 @@
             </a:r>
             <a:r>
               <a:rPr lang="en-US" baseline="0" dirty="0" smtClean="0"/>
-              <a:t> </a:t>
-            </a:r>
-            <a:r>
-              <a:rPr lang="en-US" baseline="0" dirty="0" smtClean="0"/>
-              <a:t>– Simple REST </a:t>
-            </a:r>
-            <a:r>
-              <a:rPr lang="en-US" baseline="0" dirty="0" smtClean="0"/>
-              <a:t>Client</a:t>
+              <a:t> – Simple REST Client</a:t>
             </a:r>
             <a:endParaRPr lang="en-US" dirty="0" smtClean="0"/>
           </a:p>
@@ -1317,7 +1299,7 @@
             <a:fld id="{B61BEF0D-F0BB-DE4B-95CE-6DB70DBA9567}" type="datetimeFigureOut">
               <a:rPr lang="en-US" dirty="0"/>
               <a:pPr/>
-              <a:t>4/3/2014</a:t>
+              <a:t>4/4/2014</a:t>
             </a:fld>
             <a:endParaRPr lang="en-US" dirty="0"/>
           </a:p>
@@ -1646,7 +1628,7 @@
             <a:fld id="{B61BEF0D-F0BB-DE4B-95CE-6DB70DBA9567}" type="datetimeFigureOut">
               <a:rPr lang="en-US" dirty="0"/>
               <a:pPr/>
-              <a:t>4/3/2014</a:t>
+              <a:t>4/4/2014</a:t>
             </a:fld>
             <a:endParaRPr lang="en-US" dirty="0"/>
           </a:p>
@@ -1891,7 +1873,7 @@
             <a:fld id="{B61BEF0D-F0BB-DE4B-95CE-6DB70DBA9567}" type="datetimeFigureOut">
               <a:rPr lang="en-US" dirty="0"/>
               <a:pPr/>
-              <a:t>4/3/2014</a:t>
+              <a:t>4/4/2014</a:t>
             </a:fld>
             <a:endParaRPr lang="en-US" dirty="0"/>
           </a:p>
@@ -2234,7 +2216,7 @@
             <a:fld id="{B61BEF0D-F0BB-DE4B-95CE-6DB70DBA9567}" type="datetimeFigureOut">
               <a:rPr lang="en-US" dirty="0"/>
               <a:pPr/>
-              <a:t>4/3/2014</a:t>
+              <a:t>4/4/2014</a:t>
             </a:fld>
             <a:endParaRPr lang="en-US" dirty="0"/>
           </a:p>
@@ -2585,7 +2567,7 @@
             <a:fld id="{B61BEF0D-F0BB-DE4B-95CE-6DB70DBA9567}" type="datetimeFigureOut">
               <a:rPr lang="en-US" dirty="0"/>
               <a:pPr/>
-              <a:t>4/3/2014</a:t>
+              <a:t>4/4/2014</a:t>
             </a:fld>
             <a:endParaRPr lang="en-US" dirty="0"/>
           </a:p>
@@ -2956,7 +2938,7 @@
             <a:fld id="{B61BEF0D-F0BB-DE4B-95CE-6DB70DBA9567}" type="datetimeFigureOut">
               <a:rPr lang="en-US" dirty="0"/>
               <a:pPr/>
-              <a:t>4/3/2014</a:t>
+              <a:t>4/4/2014</a:t>
             </a:fld>
             <a:endParaRPr lang="en-US" dirty="0"/>
           </a:p>
@@ -3430,7 +3412,7 @@
             <a:fld id="{B61BEF0D-F0BB-DE4B-95CE-6DB70DBA9567}" type="datetimeFigureOut">
               <a:rPr lang="en-US" dirty="0"/>
               <a:pPr/>
-              <a:t>4/3/2014</a:t>
+              <a:t>4/4/2014</a:t>
             </a:fld>
             <a:endParaRPr lang="en-US" dirty="0"/>
           </a:p>
@@ -3639,7 +3621,7 @@
             <a:fld id="{B61BEF0D-F0BB-DE4B-95CE-6DB70DBA9567}" type="datetimeFigureOut">
               <a:rPr lang="en-US" dirty="0"/>
               <a:pPr/>
-              <a:t>4/3/2014</a:t>
+              <a:t>4/4/2014</a:t>
             </a:fld>
             <a:endParaRPr lang="en-US" dirty="0"/>
           </a:p>
@@ -3854,7 +3836,7 @@
             <a:fld id="{B61BEF0D-F0BB-DE4B-95CE-6DB70DBA9567}" type="datetimeFigureOut">
               <a:rPr lang="en-US" dirty="0"/>
               <a:pPr/>
-              <a:t>4/3/2014</a:t>
+              <a:t>4/4/2014</a:t>
             </a:fld>
             <a:endParaRPr lang="en-US" dirty="0"/>
           </a:p>
@@ -4096,7 +4078,7 @@
           <a:p>
             <a:fld id="{05BFA754-D5C3-4E66-96A6-867B257F58DC}" type="datetimeFigureOut">
               <a:rPr lang="en-US" dirty="0"/>
-              <a:t>4/3/2014</a:t>
+              <a:t>4/4/2014</a:t>
             </a:fld>
             <a:endParaRPr lang="en-US" dirty="0"/>
           </a:p>
@@ -4340,7 +4322,7 @@
             <a:fld id="{B61BEF0D-F0BB-DE4B-95CE-6DB70DBA9567}" type="datetimeFigureOut">
               <a:rPr lang="en-US" dirty="0"/>
               <a:pPr/>
-              <a:t>4/3/2014</a:t>
+              <a:t>4/4/2014</a:t>
             </a:fld>
             <a:endParaRPr lang="en-US" dirty="0"/>
           </a:p>
@@ -4648,7 +4630,7 @@
           <a:p>
             <a:fld id="{05BFA754-D5C3-4E66-96A6-867B257F58DC}" type="datetimeFigureOut">
               <a:rPr lang="en-US" dirty="0"/>
-              <a:t>4/3/2014</a:t>
+              <a:t>4/4/2014</a:t>
             </a:fld>
             <a:endParaRPr lang="en-US" dirty="0"/>
           </a:p>
@@ -5026,7 +5008,7 @@
             <a:fld id="{B61BEF0D-F0BB-DE4B-95CE-6DB70DBA9567}" type="datetimeFigureOut">
               <a:rPr lang="en-US" dirty="0"/>
               <a:pPr/>
-              <a:t>4/3/2014</a:t>
+              <a:t>4/4/2014</a:t>
             </a:fld>
             <a:endParaRPr lang="en-US" dirty="0"/>
           </a:p>
@@ -5179,7 +5161,7 @@
             <a:fld id="{B61BEF0D-F0BB-DE4B-95CE-6DB70DBA9567}" type="datetimeFigureOut">
               <a:rPr lang="en-US" dirty="0"/>
               <a:pPr/>
-              <a:t>4/3/2014</a:t>
+              <a:t>4/4/2014</a:t>
             </a:fld>
             <a:endParaRPr lang="en-US" dirty="0"/>
           </a:p>
@@ -5309,7 +5291,7 @@
             <a:fld id="{B61BEF0D-F0BB-DE4B-95CE-6DB70DBA9567}" type="datetimeFigureOut">
               <a:rPr lang="en-US" dirty="0"/>
               <a:pPr/>
-              <a:t>4/3/2014</a:t>
+              <a:t>4/4/2014</a:t>
             </a:fld>
             <a:endParaRPr lang="en-US" dirty="0"/>
           </a:p>
@@ -5561,7 +5543,7 @@
             <a:fld id="{B61BEF0D-F0BB-DE4B-95CE-6DB70DBA9567}" type="datetimeFigureOut">
               <a:rPr lang="en-US" dirty="0"/>
               <a:pPr/>
-              <a:t>4/3/2014</a:t>
+              <a:t>4/4/2014</a:t>
             </a:fld>
             <a:endParaRPr lang="en-US" dirty="0"/>
           </a:p>
@@ -5880,7 +5862,7 @@
             <a:fld id="{B61BEF0D-F0BB-DE4B-95CE-6DB70DBA9567}" type="datetimeFigureOut">
               <a:rPr lang="en-US" dirty="0"/>
               <a:pPr/>
-              <a:t>4/3/2014</a:t>
+              <a:t>4/4/2014</a:t>
             </a:fld>
             <a:endParaRPr lang="en-US" dirty="0"/>
           </a:p>
@@ -6121,7 +6103,7 @@
             <a:fld id="{B61BEF0D-F0BB-DE4B-95CE-6DB70DBA9567}" type="datetimeFigureOut">
               <a:rPr lang="en-US" dirty="0"/>
               <a:pPr/>
-              <a:t>4/3/2014</a:t>
+              <a:t>4/4/2014</a:t>
             </a:fld>
             <a:endParaRPr lang="en-US" dirty="0"/>
           </a:p>
@@ -7163,11 +7145,7 @@
             <a:pPr lvl="1"/>
             <a:r>
               <a:rPr lang="en-US" dirty="0" smtClean="0"/>
-              <a:t>Small Apps – Cannot P/Invoke third-party </a:t>
-            </a:r>
-            <a:r>
-              <a:rPr lang="en-US" dirty="0" smtClean="0"/>
-              <a:t>libraries</a:t>
+              <a:t>Small Apps – Cannot P/Invoke third-party libraries</a:t>
             </a:r>
           </a:p>
           <a:p>
@@ -7176,7 +7154,6 @@
               <a:rPr lang="en-US" dirty="0" smtClean="0"/>
               <a:t>Deploy to Device &amp; App Stores</a:t>
             </a:r>
-            <a:endParaRPr lang="en-US" dirty="0" smtClean="0"/>
           </a:p>
           <a:p>
             <a:r>
@@ -7191,7 +7168,6 @@
               <a:rPr lang="en-US" dirty="0" smtClean="0"/>
               <a:t>/platform/year</a:t>
             </a:r>
-            <a:endParaRPr lang="en-US" dirty="0" smtClean="0"/>
           </a:p>
           <a:p>
             <a:pPr lvl="1"/>
@@ -7213,7 +7189,6 @@
               <a:rPr lang="en-US" dirty="0" smtClean="0"/>
               <a:t>/platform/year</a:t>
             </a:r>
-            <a:endParaRPr lang="en-US" dirty="0" smtClean="0"/>
           </a:p>
           <a:p>
             <a:pPr lvl="1"/>
@@ -7235,7 +7210,6 @@
               <a:rPr lang="en-US" dirty="0" smtClean="0"/>
               <a:t>/platform/year</a:t>
             </a:r>
-            <a:endParaRPr lang="en-US" dirty="0" smtClean="0"/>
           </a:p>
           <a:p>
             <a:pPr lvl="1"/>
@@ -7429,11 +7403,7 @@
           <a:p>
             <a:r>
               <a:rPr lang="en-US" dirty="0" smtClean="0"/>
-              <a:t>Striving </a:t>
-            </a:r>
-            <a:r>
-              <a:rPr lang="en-US" dirty="0" smtClean="0"/>
-              <a:t>Software Craftsman</a:t>
+              <a:t>Striving Software Craftsman</a:t>
             </a:r>
           </a:p>
           <a:p>
@@ -7630,7 +7600,11 @@
             </a:pPr>
             <a:r>
               <a:rPr lang="en-US" dirty="0" err="1" smtClean="0"/>
-              <a:t>AppMobi</a:t>
+              <a:t>Appcelerator</a:t>
+            </a:r>
+            <a:r>
+              <a:rPr lang="en-US" dirty="0" smtClean="0"/>
+              <a:t> Titanium</a:t>
             </a:r>
             <a:endParaRPr lang="en-US" dirty="0" smtClean="0"/>
           </a:p>
@@ -7639,27 +7613,8 @@
               <a:buNone/>
             </a:pPr>
             <a:r>
-              <a:rPr lang="en-US" dirty="0" err="1" smtClean="0"/>
-              <a:t>Appcelerator</a:t>
-            </a:r>
-            <a:endParaRPr lang="en-US" dirty="0" smtClean="0"/>
-          </a:p>
-          <a:p>
-            <a:pPr marL="0" indent="0" algn="ctr">
-              <a:buNone/>
-            </a:pPr>
-            <a:r>
-              <a:rPr lang="en-US" dirty="0" smtClean="0"/>
-              <a:t>Titanium</a:t>
-            </a:r>
-          </a:p>
-          <a:p>
-            <a:pPr marL="0" indent="0" algn="ctr">
-              <a:buNone/>
-            </a:pPr>
-            <a:r>
-              <a:rPr lang="en-US" dirty="0" err="1" smtClean="0"/>
-              <a:t>Icenium</a:t>
+              <a:rPr lang="en-US" smtClean="0"/>
+              <a:t>AppBuilder (Icenium)</a:t>
             </a:r>
             <a:endParaRPr lang="en-US" dirty="0" smtClean="0"/>
           </a:p>
@@ -7847,33 +7802,21 @@
           <a:p>
             <a:r>
               <a:rPr lang="en-US" dirty="0" smtClean="0"/>
-              <a:t>Cross-platform development with C</a:t>
-            </a:r>
+              <a:t>Cross-platform development with C# via Mono</a:t>
+            </a:r>
+          </a:p>
+          <a:p>
+            <a:pPr lvl="1"/>
             <a:r>
               <a:rPr lang="en-US" dirty="0" smtClean="0"/>
-              <a:t># via Mono</a:t>
+              <a:t>One shared codebase</a:t>
             </a:r>
           </a:p>
           <a:p>
             <a:pPr lvl="1"/>
             <a:r>
               <a:rPr lang="en-US" dirty="0" smtClean="0"/>
-              <a:t>One </a:t>
-            </a:r>
-            <a:r>
-              <a:rPr lang="en-US" dirty="0" smtClean="0"/>
-              <a:t>shared codebase</a:t>
-            </a:r>
-          </a:p>
-          <a:p>
-            <a:pPr lvl="1"/>
-            <a:r>
-              <a:rPr lang="en-US" dirty="0" smtClean="0"/>
-              <a:t>Separate platform-specific UIs (C</a:t>
-            </a:r>
-            <a:r>
-              <a:rPr lang="en-US" dirty="0" smtClean="0"/>
-              <a:t>#)</a:t>
+              <a:t>Separate platform-specific UIs (C#)</a:t>
             </a:r>
           </a:p>
           <a:p>
@@ -7882,16 +7825,11 @@
               <a:rPr lang="en-US" dirty="0" smtClean="0"/>
               <a:t>Complies to Native Binary</a:t>
             </a:r>
-            <a:endParaRPr lang="en-US" dirty="0" smtClean="0"/>
           </a:p>
           <a:p>
             <a:r>
               <a:rPr lang="en-US" dirty="0" smtClean="0"/>
-              <a:t>Use Native APIs to create native </a:t>
-            </a:r>
-            <a:r>
-              <a:rPr lang="en-US" dirty="0" smtClean="0"/>
-              <a:t>apps</a:t>
+              <a:t>Use Native APIs to create native apps</a:t>
             </a:r>
           </a:p>
           <a:p>
@@ -7900,7 +7838,6 @@
               <a:rPr lang="en-US" dirty="0" smtClean="0"/>
               <a:t>Platform APIs are available as C# class libraries</a:t>
             </a:r>
-            <a:endParaRPr lang="en-US" dirty="0" smtClean="0"/>
           </a:p>
           <a:p>
             <a:r>
@@ -8220,11 +8157,7 @@
           <a:p>
             <a:r>
               <a:rPr lang="en-US" dirty="0" smtClean="0"/>
-              <a:t>Xamarin </a:t>
-            </a:r>
-            <a:r>
-              <a:rPr lang="en-US" dirty="0" smtClean="0"/>
-              <a:t>Studio &amp; Visual Studio</a:t>
+              <a:t>Xamarin Studio &amp; Visual Studio</a:t>
             </a:r>
             <a:endParaRPr lang="en-US" dirty="0"/>
           </a:p>
